--- a/Project/Final Presentation.pptx
+++ b/Project/Final Presentation.pptx
@@ -3933,7 +3933,7 @@
         </p:blipFill>
         <p:spPr>
           <a:xfrm>
-            <a:off x="457580" y="2019395"/>
+            <a:off x="457580" y="1612995"/>
             <a:ext cx="11276840" cy="2819210"/>
           </a:xfrm>
         </p:spPr>
@@ -4026,11 +4026,49 @@
         </p:blipFill>
         <p:spPr>
           <a:xfrm>
-            <a:off x="452432" y="2018108"/>
+            <a:off x="452432" y="1624408"/>
             <a:ext cx="11287135" cy="2821784"/>
           </a:xfrm>
         </p:spPr>
       </p:pic>
+      <p:sp>
+        <p:nvSpPr>
+          <p:cNvPr id="3" name="TextBox 2">
+            <a:extLst>
+              <a:ext uri="{FF2B5EF4-FFF2-40B4-BE49-F238E27FC236}">
+                <a16:creationId xmlns:a16="http://schemas.microsoft.com/office/drawing/2014/main" id="{0EB8ABF0-8A67-4729-A97E-CE11CBB8A7A6}"/>
+              </a:ext>
+            </a:extLst>
+          </p:cNvPr>
+          <p:cNvSpPr txBox="1"/>
+          <p:nvPr/>
+        </p:nvSpPr>
+        <p:spPr>
+          <a:xfrm>
+            <a:off x="452432" y="4876800"/>
+            <a:ext cx="11287135" cy="584775"/>
+          </a:xfrm>
+          <a:prstGeom prst="rect">
+            <a:avLst/>
+          </a:prstGeom>
+          <a:noFill/>
+        </p:spPr>
+        <p:txBody>
+          <a:bodyPr wrap="square" rtlCol="0">
+            <a:spAutoFit/>
+          </a:bodyPr>
+          <a:lstStyle/>
+          <a:p>
+            <a:r>
+              <a:rPr lang="en-US" sz="1600" dirty="0">
+                <a:latin typeface="Calibri" panose="020F0502020204030204" pitchFamily="34" charset="0"/>
+                <a:cs typeface="Calibri" panose="020F0502020204030204" pitchFamily="34" charset="0"/>
+              </a:rPr>
+              <a:t>We can see that while still hovering around average, prices have many more spikes than rating. This is because prices are subject to many more factors than the rating.</a:t>
+            </a:r>
+          </a:p>
+        </p:txBody>
+      </p:sp>
     </p:spTree>
     <p:extLst>
       <p:ext uri="{BB962C8B-B14F-4D97-AF65-F5344CB8AC3E}">
@@ -4124,11 +4162,49 @@
         </p:blipFill>
         <p:spPr>
           <a:xfrm>
-            <a:off x="3307850" y="1483567"/>
+            <a:off x="1130270" y="1483567"/>
             <a:ext cx="5248113" cy="4341157"/>
           </a:xfrm>
         </p:spPr>
       </p:pic>
+      <p:sp>
+        <p:nvSpPr>
+          <p:cNvPr id="3" name="TextBox 2">
+            <a:extLst>
+              <a:ext uri="{FF2B5EF4-FFF2-40B4-BE49-F238E27FC236}">
+                <a16:creationId xmlns:a16="http://schemas.microsoft.com/office/drawing/2014/main" id="{BDA2DED5-25E9-446F-8279-16CED5F578C2}"/>
+              </a:ext>
+            </a:extLst>
+          </p:cNvPr>
+          <p:cNvSpPr txBox="1"/>
+          <p:nvPr/>
+        </p:nvSpPr>
+        <p:spPr>
+          <a:xfrm>
+            <a:off x="7378700" y="1483567"/>
+            <a:ext cx="4038600" cy="1569660"/>
+          </a:xfrm>
+          <a:prstGeom prst="rect">
+            <a:avLst/>
+          </a:prstGeom>
+          <a:noFill/>
+        </p:spPr>
+        <p:txBody>
+          <a:bodyPr wrap="square" rtlCol="0">
+            <a:spAutoFit/>
+          </a:bodyPr>
+          <a:lstStyle/>
+          <a:p>
+            <a:r>
+              <a:rPr lang="en-US" sz="1600" dirty="0">
+                <a:latin typeface="Calibri" panose="020F0502020204030204" pitchFamily="34" charset="0"/>
+                <a:cs typeface="Calibri" panose="020F0502020204030204" pitchFamily="34" charset="0"/>
+              </a:rPr>
+              <a:t>Clear focus on certain wine varieties in Napa Valley. This is expected because certain regions have favorable qualities for certain varieties. Producing a particular variety in those regions will yield a better wine than producing in a different region.</a:t>
+            </a:r>
+          </a:p>
+        </p:txBody>
+      </p:sp>
     </p:spTree>
     <p:extLst>
       <p:ext uri="{BB962C8B-B14F-4D97-AF65-F5344CB8AC3E}">
@@ -4921,7 +4997,7 @@
         </p:blipFill>
         <p:spPr bwMode="auto">
           <a:xfrm>
-            <a:off x="699650" y="2658410"/>
+            <a:off x="699650" y="2079912"/>
             <a:ext cx="10792700" cy="2698175"/>
           </a:xfrm>
           <a:prstGeom prst="rect">
@@ -5082,7 +5158,7 @@
         </p:blipFill>
         <p:spPr>
           <a:xfrm>
-            <a:off x="2470266" y="1391655"/>
+            <a:off x="285866" y="1391655"/>
             <a:ext cx="6923282" cy="4422344"/>
           </a:xfrm>
           <a:prstGeom prst="rect">
@@ -5090,6 +5166,44 @@
           </a:prstGeom>
         </p:spPr>
       </p:pic>
+      <p:sp>
+        <p:nvSpPr>
+          <p:cNvPr id="3" name="TextBox 2">
+            <a:extLst>
+              <a:ext uri="{FF2B5EF4-FFF2-40B4-BE49-F238E27FC236}">
+                <a16:creationId xmlns:a16="http://schemas.microsoft.com/office/drawing/2014/main" id="{E3F83B58-AACD-4DAF-A416-A45F33E0BF4E}"/>
+              </a:ext>
+            </a:extLst>
+          </p:cNvPr>
+          <p:cNvSpPr txBox="1"/>
+          <p:nvPr/>
+        </p:nvSpPr>
+        <p:spPr>
+          <a:xfrm>
+            <a:off x="7505700" y="1549400"/>
+            <a:ext cx="4025900" cy="1569660"/>
+          </a:xfrm>
+          <a:prstGeom prst="rect">
+            <a:avLst/>
+          </a:prstGeom>
+          <a:noFill/>
+        </p:spPr>
+        <p:txBody>
+          <a:bodyPr wrap="square" rtlCol="0">
+            <a:spAutoFit/>
+          </a:bodyPr>
+          <a:lstStyle/>
+          <a:p>
+            <a:r>
+              <a:rPr lang="en-US" sz="1600" dirty="0">
+                <a:latin typeface="Calibri" panose="020F0502020204030204" pitchFamily="34" charset="0"/>
+                <a:cs typeface="Calibri" panose="020F0502020204030204" pitchFamily="34" charset="0"/>
+              </a:rPr>
+              <a:t>As the rating increases or decreases slightly for a given year, the price increases or decreases at a much larger rate. This is because the value of the wines from “good” years are much higher than the wines from “bad” years.</a:t>
+            </a:r>
+          </a:p>
+        </p:txBody>
+      </p:sp>
     </p:spTree>
     <p:extLst>
       <p:ext uri="{BB962C8B-B14F-4D97-AF65-F5344CB8AC3E}">
@@ -6548,7 +6662,7 @@
         </p:blipFill>
         <p:spPr>
           <a:xfrm>
-            <a:off x="1973293" y="1367646"/>
+            <a:off x="1688546" y="1367646"/>
             <a:ext cx="8245413" cy="4122707"/>
           </a:xfrm>
         </p:spPr>
